--- a/Git/git.pptx
+++ b/Git/git.pptx
@@ -4,6 +4,9 @@
   <p:sldMasterIdLst>
     <p:sldMasterId id="2147483660" r:id="rId1"/>
   </p:sldMasterIdLst>
+  <p:notesMasterIdLst>
+    <p:notesMasterId r:id="rId20"/>
+  </p:notesMasterIdLst>
   <p:sldIdLst>
     <p:sldId id="256" r:id="rId2"/>
     <p:sldId id="257" r:id="rId3"/>
@@ -129,6 +132,440 @@
 </p:presentation>
 </file>
 
+<file path=ppt/notesMasters/notesMaster1.xml><?xml version="1.0" encoding="utf-8"?>
+<p:notesMaster xmlns:a="http://schemas.openxmlformats.org/drawingml/2006/main" xmlns:r="http://schemas.openxmlformats.org/officeDocument/2006/relationships" xmlns:p="http://schemas.openxmlformats.org/presentationml/2006/main">
+  <p:cSld>
+    <p:bg>
+      <p:bgRef idx="1001">
+        <a:schemeClr val="bg1"/>
+      </p:bgRef>
+    </p:bg>
+    <p:spTree>
+      <p:nvGrpSpPr>
+        <p:cNvPr id="1" name=""/>
+        <p:cNvGrpSpPr/>
+        <p:nvPr/>
+      </p:nvGrpSpPr>
+      <p:grpSpPr>
+        <a:xfrm>
+          <a:off x="0" y="0"/>
+          <a:ext cx="0" cy="0"/>
+          <a:chOff x="0" y="0"/>
+          <a:chExt cx="0" cy="0"/>
+        </a:xfrm>
+      </p:grpSpPr>
+      <p:sp>
+        <p:nvSpPr>
+          <p:cNvPr id="2" name="Верхний колонтитул 1"/>
+          <p:cNvSpPr>
+            <a:spLocks noGrp="1"/>
+          </p:cNvSpPr>
+          <p:nvPr>
+            <p:ph type="hdr" sz="quarter"/>
+          </p:nvPr>
+        </p:nvSpPr>
+        <p:spPr>
+          <a:xfrm>
+            <a:off x="0" y="0"/>
+            <a:ext cx="2971800" cy="458788"/>
+          </a:xfrm>
+          <a:prstGeom prst="rect">
+            <a:avLst/>
+          </a:prstGeom>
+        </p:spPr>
+        <p:txBody>
+          <a:bodyPr vert="horz" lIns="91440" tIns="45720" rIns="91440" bIns="45720" rtlCol="0"/>
+          <a:lstStyle>
+            <a:lvl1pPr algn="l">
+              <a:defRPr sz="1200"/>
+            </a:lvl1pPr>
+          </a:lstStyle>
+          <a:p>
+            <a:endParaRPr lang="ru-RU"/>
+          </a:p>
+        </p:txBody>
+      </p:sp>
+      <p:sp>
+        <p:nvSpPr>
+          <p:cNvPr id="3" name="Дата 2"/>
+          <p:cNvSpPr>
+            <a:spLocks noGrp="1"/>
+          </p:cNvSpPr>
+          <p:nvPr>
+            <p:ph type="dt" idx="1"/>
+          </p:nvPr>
+        </p:nvSpPr>
+        <p:spPr>
+          <a:xfrm>
+            <a:off x="3884613" y="0"/>
+            <a:ext cx="2971800" cy="458788"/>
+          </a:xfrm>
+          <a:prstGeom prst="rect">
+            <a:avLst/>
+          </a:prstGeom>
+        </p:spPr>
+        <p:txBody>
+          <a:bodyPr vert="horz" lIns="91440" tIns="45720" rIns="91440" bIns="45720" rtlCol="0"/>
+          <a:lstStyle>
+            <a:lvl1pPr algn="r">
+              <a:defRPr sz="1200"/>
+            </a:lvl1pPr>
+          </a:lstStyle>
+          <a:p>
+            <a:fld id="{0B002293-E18E-49F6-B9AE-CAFD731B90E5}" type="datetimeFigureOut">
+              <a:rPr lang="ru-RU" smtClean="0"/>
+              <a:t>30.04.2015</a:t>
+            </a:fld>
+            <a:endParaRPr lang="ru-RU"/>
+          </a:p>
+        </p:txBody>
+      </p:sp>
+      <p:sp>
+        <p:nvSpPr>
+          <p:cNvPr id="4" name="Образ слайда 3"/>
+          <p:cNvSpPr>
+            <a:spLocks noGrp="1" noRot="1" noChangeAspect="1"/>
+          </p:cNvSpPr>
+          <p:nvPr>
+            <p:ph type="sldImg" idx="2"/>
+          </p:nvPr>
+        </p:nvSpPr>
+        <p:spPr>
+          <a:xfrm>
+            <a:off x="1371600" y="1143000"/>
+            <a:ext cx="4114800" cy="3086100"/>
+          </a:xfrm>
+          <a:prstGeom prst="rect">
+            <a:avLst/>
+          </a:prstGeom>
+          <a:noFill/>
+          <a:ln w="12700">
+            <a:solidFill>
+              <a:prstClr val="black"/>
+            </a:solidFill>
+          </a:ln>
+        </p:spPr>
+        <p:txBody>
+          <a:bodyPr vert="horz" lIns="91440" tIns="45720" rIns="91440" bIns="45720" rtlCol="0" anchor="ctr"/>
+          <a:lstStyle/>
+          <a:p>
+            <a:endParaRPr lang="ru-RU"/>
+          </a:p>
+        </p:txBody>
+      </p:sp>
+      <p:sp>
+        <p:nvSpPr>
+          <p:cNvPr id="5" name="Заметки 4"/>
+          <p:cNvSpPr>
+            <a:spLocks noGrp="1"/>
+          </p:cNvSpPr>
+          <p:nvPr>
+            <p:ph type="body" sz="quarter" idx="3"/>
+          </p:nvPr>
+        </p:nvSpPr>
+        <p:spPr>
+          <a:xfrm>
+            <a:off x="685800" y="4400550"/>
+            <a:ext cx="5486400" cy="3600450"/>
+          </a:xfrm>
+          <a:prstGeom prst="rect">
+            <a:avLst/>
+          </a:prstGeom>
+        </p:spPr>
+        <p:txBody>
+          <a:bodyPr vert="horz" lIns="91440" tIns="45720" rIns="91440" bIns="45720" rtlCol="0"/>
+          <a:lstStyle/>
+          <a:p>
+            <a:pPr lvl="0"/>
+            <a:r>
+              <a:rPr lang="ru-RU" smtClean="0"/>
+              <a:t>Образец текста</a:t>
+            </a:r>
+          </a:p>
+          <a:p>
+            <a:pPr lvl="1"/>
+            <a:r>
+              <a:rPr lang="ru-RU" smtClean="0"/>
+              <a:t>Второй уровень</a:t>
+            </a:r>
+          </a:p>
+          <a:p>
+            <a:pPr lvl="2"/>
+            <a:r>
+              <a:rPr lang="ru-RU" smtClean="0"/>
+              <a:t>Третий уровень</a:t>
+            </a:r>
+          </a:p>
+          <a:p>
+            <a:pPr lvl="3"/>
+            <a:r>
+              <a:rPr lang="ru-RU" smtClean="0"/>
+              <a:t>Четвертый уровень</a:t>
+            </a:r>
+          </a:p>
+          <a:p>
+            <a:pPr lvl="4"/>
+            <a:r>
+              <a:rPr lang="ru-RU" smtClean="0"/>
+              <a:t>Пятый уровень</a:t>
+            </a:r>
+            <a:endParaRPr lang="ru-RU"/>
+          </a:p>
+        </p:txBody>
+      </p:sp>
+      <p:sp>
+        <p:nvSpPr>
+          <p:cNvPr id="6" name="Нижний колонтитул 5"/>
+          <p:cNvSpPr>
+            <a:spLocks noGrp="1"/>
+          </p:cNvSpPr>
+          <p:nvPr>
+            <p:ph type="ftr" sz="quarter" idx="4"/>
+          </p:nvPr>
+        </p:nvSpPr>
+        <p:spPr>
+          <a:xfrm>
+            <a:off x="0" y="8685213"/>
+            <a:ext cx="2971800" cy="458787"/>
+          </a:xfrm>
+          <a:prstGeom prst="rect">
+            <a:avLst/>
+          </a:prstGeom>
+        </p:spPr>
+        <p:txBody>
+          <a:bodyPr vert="horz" lIns="91440" tIns="45720" rIns="91440" bIns="45720" rtlCol="0" anchor="b"/>
+          <a:lstStyle>
+            <a:lvl1pPr algn="l">
+              <a:defRPr sz="1200"/>
+            </a:lvl1pPr>
+          </a:lstStyle>
+          <a:p>
+            <a:endParaRPr lang="ru-RU"/>
+          </a:p>
+        </p:txBody>
+      </p:sp>
+      <p:sp>
+        <p:nvSpPr>
+          <p:cNvPr id="7" name="Номер слайда 6"/>
+          <p:cNvSpPr>
+            <a:spLocks noGrp="1"/>
+          </p:cNvSpPr>
+          <p:nvPr>
+            <p:ph type="sldNum" sz="quarter" idx="5"/>
+          </p:nvPr>
+        </p:nvSpPr>
+        <p:spPr>
+          <a:xfrm>
+            <a:off x="3884613" y="8685213"/>
+            <a:ext cx="2971800" cy="458787"/>
+          </a:xfrm>
+          <a:prstGeom prst="rect">
+            <a:avLst/>
+          </a:prstGeom>
+        </p:spPr>
+        <p:txBody>
+          <a:bodyPr vert="horz" lIns="91440" tIns="45720" rIns="91440" bIns="45720" rtlCol="0" anchor="b"/>
+          <a:lstStyle>
+            <a:lvl1pPr algn="r">
+              <a:defRPr sz="1200"/>
+            </a:lvl1pPr>
+          </a:lstStyle>
+          <a:p>
+            <a:fld id="{00F4607E-F4DA-47E6-B3B2-7FAF5A8E0664}" type="slidenum">
+              <a:rPr lang="ru-RU" smtClean="0"/>
+              <a:t>‹#›</a:t>
+            </a:fld>
+            <a:endParaRPr lang="ru-RU"/>
+          </a:p>
+        </p:txBody>
+      </p:sp>
+    </p:spTree>
+    <p:extLst>
+      <p:ext uri="{BB962C8B-B14F-4D97-AF65-F5344CB8AC3E}">
+        <p14:creationId xmlns:p14="http://schemas.microsoft.com/office/powerpoint/2010/main" val="2537401183"/>
+      </p:ext>
+    </p:extLst>
+  </p:cSld>
+  <p:clrMap bg1="lt1" tx1="dk1" bg2="lt2" tx2="dk2" accent1="accent1" accent2="accent2" accent3="accent3" accent4="accent4" accent5="accent5" accent6="accent6" hlink="hlink" folHlink="folHlink"/>
+  <p:notesStyle>
+    <a:lvl1pPr marL="0" algn="l" defTabSz="914400" rtl="0" eaLnBrk="1" latinLnBrk="0" hangingPunct="1">
+      <a:defRPr sz="1200" kern="1200">
+        <a:solidFill>
+          <a:schemeClr val="tx1"/>
+        </a:solidFill>
+        <a:latin typeface="+mn-lt"/>
+        <a:ea typeface="+mn-ea"/>
+        <a:cs typeface="+mn-cs"/>
+      </a:defRPr>
+    </a:lvl1pPr>
+    <a:lvl2pPr marL="457200" algn="l" defTabSz="914400" rtl="0" eaLnBrk="1" latinLnBrk="0" hangingPunct="1">
+      <a:defRPr sz="1200" kern="1200">
+        <a:solidFill>
+          <a:schemeClr val="tx1"/>
+        </a:solidFill>
+        <a:latin typeface="+mn-lt"/>
+        <a:ea typeface="+mn-ea"/>
+        <a:cs typeface="+mn-cs"/>
+      </a:defRPr>
+    </a:lvl2pPr>
+    <a:lvl3pPr marL="914400" algn="l" defTabSz="914400" rtl="0" eaLnBrk="1" latinLnBrk="0" hangingPunct="1">
+      <a:defRPr sz="1200" kern="1200">
+        <a:solidFill>
+          <a:schemeClr val="tx1"/>
+        </a:solidFill>
+        <a:latin typeface="+mn-lt"/>
+        <a:ea typeface="+mn-ea"/>
+        <a:cs typeface="+mn-cs"/>
+      </a:defRPr>
+    </a:lvl3pPr>
+    <a:lvl4pPr marL="1371600" algn="l" defTabSz="914400" rtl="0" eaLnBrk="1" latinLnBrk="0" hangingPunct="1">
+      <a:defRPr sz="1200" kern="1200">
+        <a:solidFill>
+          <a:schemeClr val="tx1"/>
+        </a:solidFill>
+        <a:latin typeface="+mn-lt"/>
+        <a:ea typeface="+mn-ea"/>
+        <a:cs typeface="+mn-cs"/>
+      </a:defRPr>
+    </a:lvl4pPr>
+    <a:lvl5pPr marL="1828800" algn="l" defTabSz="914400" rtl="0" eaLnBrk="1" latinLnBrk="0" hangingPunct="1">
+      <a:defRPr sz="1200" kern="1200">
+        <a:solidFill>
+          <a:schemeClr val="tx1"/>
+        </a:solidFill>
+        <a:latin typeface="+mn-lt"/>
+        <a:ea typeface="+mn-ea"/>
+        <a:cs typeface="+mn-cs"/>
+      </a:defRPr>
+    </a:lvl5pPr>
+    <a:lvl6pPr marL="2286000" algn="l" defTabSz="914400" rtl="0" eaLnBrk="1" latinLnBrk="0" hangingPunct="1">
+      <a:defRPr sz="1200" kern="1200">
+        <a:solidFill>
+          <a:schemeClr val="tx1"/>
+        </a:solidFill>
+        <a:latin typeface="+mn-lt"/>
+        <a:ea typeface="+mn-ea"/>
+        <a:cs typeface="+mn-cs"/>
+      </a:defRPr>
+    </a:lvl6pPr>
+    <a:lvl7pPr marL="2743200" algn="l" defTabSz="914400" rtl="0" eaLnBrk="1" latinLnBrk="0" hangingPunct="1">
+      <a:defRPr sz="1200" kern="1200">
+        <a:solidFill>
+          <a:schemeClr val="tx1"/>
+        </a:solidFill>
+        <a:latin typeface="+mn-lt"/>
+        <a:ea typeface="+mn-ea"/>
+        <a:cs typeface="+mn-cs"/>
+      </a:defRPr>
+    </a:lvl7pPr>
+    <a:lvl8pPr marL="3200400" algn="l" defTabSz="914400" rtl="0" eaLnBrk="1" latinLnBrk="0" hangingPunct="1">
+      <a:defRPr sz="1200" kern="1200">
+        <a:solidFill>
+          <a:schemeClr val="tx1"/>
+        </a:solidFill>
+        <a:latin typeface="+mn-lt"/>
+        <a:ea typeface="+mn-ea"/>
+        <a:cs typeface="+mn-cs"/>
+      </a:defRPr>
+    </a:lvl8pPr>
+    <a:lvl9pPr marL="3657600" algn="l" defTabSz="914400" rtl="0" eaLnBrk="1" latinLnBrk="0" hangingPunct="1">
+      <a:defRPr sz="1200" kern="1200">
+        <a:solidFill>
+          <a:schemeClr val="tx1"/>
+        </a:solidFill>
+        <a:latin typeface="+mn-lt"/>
+        <a:ea typeface="+mn-ea"/>
+        <a:cs typeface="+mn-cs"/>
+      </a:defRPr>
+    </a:lvl9pPr>
+  </p:notesStyle>
+</p:notesMaster>
+</file>
+
+<file path=ppt/notesSlides/notesSlide1.xml><?xml version="1.0" encoding="utf-8"?>
+<p:notes xmlns:a="http://schemas.openxmlformats.org/drawingml/2006/main" xmlns:r="http://schemas.openxmlformats.org/officeDocument/2006/relationships" xmlns:p="http://schemas.openxmlformats.org/presentationml/2006/main">
+  <p:cSld>
+    <p:spTree>
+      <p:nvGrpSpPr>
+        <p:cNvPr id="1" name=""/>
+        <p:cNvGrpSpPr/>
+        <p:nvPr/>
+      </p:nvGrpSpPr>
+      <p:grpSpPr>
+        <a:xfrm>
+          <a:off x="0" y="0"/>
+          <a:ext cx="0" cy="0"/>
+          <a:chOff x="0" y="0"/>
+          <a:chExt cx="0" cy="0"/>
+        </a:xfrm>
+      </p:grpSpPr>
+      <p:sp>
+        <p:nvSpPr>
+          <p:cNvPr id="2" name="Образ слайда 1"/>
+          <p:cNvSpPr>
+            <a:spLocks noGrp="1" noRot="1" noChangeAspect="1"/>
+          </p:cNvSpPr>
+          <p:nvPr>
+            <p:ph type="sldImg"/>
+          </p:nvPr>
+        </p:nvSpPr>
+        <p:spPr/>
+      </p:sp>
+      <p:sp>
+        <p:nvSpPr>
+          <p:cNvPr id="3" name="Заметки 2"/>
+          <p:cNvSpPr>
+            <a:spLocks noGrp="1"/>
+          </p:cNvSpPr>
+          <p:nvPr>
+            <p:ph type="body" idx="1"/>
+          </p:nvPr>
+        </p:nvSpPr>
+        <p:spPr/>
+        <p:txBody>
+          <a:bodyPr/>
+          <a:lstStyle/>
+          <a:p>
+            <a:endParaRPr lang="ru-RU"/>
+          </a:p>
+        </p:txBody>
+      </p:sp>
+      <p:sp>
+        <p:nvSpPr>
+          <p:cNvPr id="4" name="Номер слайда 3"/>
+          <p:cNvSpPr>
+            <a:spLocks noGrp="1"/>
+          </p:cNvSpPr>
+          <p:nvPr>
+            <p:ph type="sldNum" sz="quarter" idx="10"/>
+          </p:nvPr>
+        </p:nvSpPr>
+        <p:spPr/>
+        <p:txBody>
+          <a:bodyPr/>
+          <a:lstStyle/>
+          <a:p>
+            <a:fld id="{00F4607E-F4DA-47E6-B3B2-7FAF5A8E0664}" type="slidenum">
+              <a:rPr lang="ru-RU" smtClean="0"/>
+              <a:t>15</a:t>
+            </a:fld>
+            <a:endParaRPr lang="ru-RU"/>
+          </a:p>
+        </p:txBody>
+      </p:sp>
+    </p:spTree>
+    <p:extLst>
+      <p:ext uri="{BB962C8B-B14F-4D97-AF65-F5344CB8AC3E}">
+        <p14:creationId xmlns:p14="http://schemas.microsoft.com/office/powerpoint/2010/main" val="4150647149"/>
+      </p:ext>
+    </p:extLst>
+  </p:cSld>
+  <p:clrMapOvr>
+    <a:masterClrMapping/>
+  </p:clrMapOvr>
+</p:notes>
+</file>
+
 <file path=ppt/slideLayouts/slideLayout1.xml><?xml version="1.0" encoding="utf-8"?>
 <p:sldLayout xmlns:a="http://schemas.openxmlformats.org/drawingml/2006/main" xmlns:r="http://schemas.openxmlformats.org/officeDocument/2006/relationships" xmlns:p="http://schemas.openxmlformats.org/presentationml/2006/main" type="title" preserve="1">
   <p:cSld name="Титульный слайд">
@@ -260,7 +697,7 @@
           <a:p>
             <a:fld id="{EE4DBC52-45DA-4B24-82FE-8D579A637804}" type="datetimeFigureOut">
               <a:rPr lang="ru-RU" smtClean="0"/>
-              <a:t>23.04.2015</a:t>
+              <a:t>30.04.2015</a:t>
             </a:fld>
             <a:endParaRPr lang="ru-RU"/>
           </a:p>
@@ -430,7 +867,7 @@
           <a:p>
             <a:fld id="{EE4DBC52-45DA-4B24-82FE-8D579A637804}" type="datetimeFigureOut">
               <a:rPr lang="ru-RU" smtClean="0"/>
-              <a:t>23.04.2015</a:t>
+              <a:t>30.04.2015</a:t>
             </a:fld>
             <a:endParaRPr lang="ru-RU"/>
           </a:p>
@@ -610,7 +1047,7 @@
           <a:p>
             <a:fld id="{EE4DBC52-45DA-4B24-82FE-8D579A637804}" type="datetimeFigureOut">
               <a:rPr lang="ru-RU" smtClean="0"/>
-              <a:t>23.04.2015</a:t>
+              <a:t>30.04.2015</a:t>
             </a:fld>
             <a:endParaRPr lang="ru-RU"/>
           </a:p>
@@ -780,7 +1217,7 @@
           <a:p>
             <a:fld id="{EE4DBC52-45DA-4B24-82FE-8D579A637804}" type="datetimeFigureOut">
               <a:rPr lang="ru-RU" smtClean="0"/>
-              <a:t>23.04.2015</a:t>
+              <a:t>30.04.2015</a:t>
             </a:fld>
             <a:endParaRPr lang="ru-RU"/>
           </a:p>
@@ -1024,7 +1461,7 @@
           <a:p>
             <a:fld id="{EE4DBC52-45DA-4B24-82FE-8D579A637804}" type="datetimeFigureOut">
               <a:rPr lang="ru-RU" smtClean="0"/>
-              <a:t>23.04.2015</a:t>
+              <a:t>30.04.2015</a:t>
             </a:fld>
             <a:endParaRPr lang="ru-RU"/>
           </a:p>
@@ -1256,7 +1693,7 @@
           <a:p>
             <a:fld id="{EE4DBC52-45DA-4B24-82FE-8D579A637804}" type="datetimeFigureOut">
               <a:rPr lang="ru-RU" smtClean="0"/>
-              <a:t>23.04.2015</a:t>
+              <a:t>30.04.2015</a:t>
             </a:fld>
             <a:endParaRPr lang="ru-RU"/>
           </a:p>
@@ -1623,7 +2060,7 @@
           <a:p>
             <a:fld id="{EE4DBC52-45DA-4B24-82FE-8D579A637804}" type="datetimeFigureOut">
               <a:rPr lang="ru-RU" smtClean="0"/>
-              <a:t>23.04.2015</a:t>
+              <a:t>30.04.2015</a:t>
             </a:fld>
             <a:endParaRPr lang="ru-RU"/>
           </a:p>
@@ -1741,7 +2178,7 @@
           <a:p>
             <a:fld id="{EE4DBC52-45DA-4B24-82FE-8D579A637804}" type="datetimeFigureOut">
               <a:rPr lang="ru-RU" smtClean="0"/>
-              <a:t>23.04.2015</a:t>
+              <a:t>30.04.2015</a:t>
             </a:fld>
             <a:endParaRPr lang="ru-RU"/>
           </a:p>
@@ -1836,7 +2273,7 @@
           <a:p>
             <a:fld id="{EE4DBC52-45DA-4B24-82FE-8D579A637804}" type="datetimeFigureOut">
               <a:rPr lang="ru-RU" smtClean="0"/>
-              <a:t>23.04.2015</a:t>
+              <a:t>30.04.2015</a:t>
             </a:fld>
             <a:endParaRPr lang="ru-RU"/>
           </a:p>
@@ -2113,7 +2550,7 @@
           <a:p>
             <a:fld id="{EE4DBC52-45DA-4B24-82FE-8D579A637804}" type="datetimeFigureOut">
               <a:rPr lang="ru-RU" smtClean="0"/>
-              <a:t>23.04.2015</a:t>
+              <a:t>30.04.2015</a:t>
             </a:fld>
             <a:endParaRPr lang="ru-RU"/>
           </a:p>
@@ -2370,7 +2807,7 @@
           <a:p>
             <a:fld id="{EE4DBC52-45DA-4B24-82FE-8D579A637804}" type="datetimeFigureOut">
               <a:rPr lang="ru-RU" smtClean="0"/>
-              <a:t>23.04.2015</a:t>
+              <a:t>30.04.2015</a:t>
             </a:fld>
             <a:endParaRPr lang="ru-RU"/>
           </a:p>
@@ -2583,7 +3020,7 @@
           <a:p>
             <a:fld id="{EE4DBC52-45DA-4B24-82FE-8D579A637804}" type="datetimeFigureOut">
               <a:rPr lang="ru-RU" smtClean="0"/>
-              <a:t>23.04.2015</a:t>
+              <a:t>30.04.2015</a:t>
             </a:fld>
             <a:endParaRPr lang="ru-RU"/>
           </a:p>
@@ -6035,7 +6472,7 @@
         </p:nvSpPr>
         <p:spPr>
           <a:xfrm>
-            <a:off x="5991598" y="3052485"/>
+            <a:off x="5425541" y="3261482"/>
             <a:ext cx="836832" cy="369332"/>
           </a:xfrm>
           <a:prstGeom prst="rect">
@@ -6065,7 +6502,7 @@
         </p:nvSpPr>
         <p:spPr>
           <a:xfrm>
-            <a:off x="6001949" y="2753760"/>
+            <a:off x="3077942" y="2526783"/>
             <a:ext cx="2239587" cy="369332"/>
           </a:xfrm>
           <a:prstGeom prst="rect">
@@ -6993,6 +7430,28 @@
                                   </p:childTnLst>
                                 </p:cTn>
                               </p:par>
+                              <p:par>
+                                <p:cTn id="19" presetID="35" presetClass="path" presetSubtype="0" accel="50000" decel="50000" fill="hold" grpId="0" nodeType="withEffect">
+                                  <p:stCondLst>
+                                    <p:cond delay="0"/>
+                                  </p:stCondLst>
+                                  <p:childTnLst>
+                                    <p:animMotion origin="layout" path="M 2.22222E-6 -3.7037E-7 L 0.25885 -0.00231 " pathEditMode="relative" rAng="0" ptsTypes="AA">
+                                      <p:cBhvr>
+                                        <p:cTn id="20" dur="2000" fill="hold"/>
+                                        <p:tgtEl>
+                                          <p:spTgt spid="21"/>
+                                        </p:tgtEl>
+                                        <p:attrNameLst>
+                                          <p:attrName>ppt_x</p:attrName>
+                                          <p:attrName>ppt_y</p:attrName>
+                                        </p:attrNameLst>
+                                      </p:cBhvr>
+                                      <p:rCtr x="12934" y="-116"/>
+                                    </p:animMotion>
+                                  </p:childTnLst>
+                                </p:cTn>
+                              </p:par>
                             </p:childTnLst>
                           </p:cTn>
                         </p:par>
@@ -7021,6 +7480,7 @@
       </p:par>
     </p:tnLst>
     <p:bldLst>
+      <p:bldP spid="21" grpId="0"/>
       <p:bldP spid="25" grpId="0"/>
       <p:bldP spid="37" grpId="0" animBg="1"/>
       <p:bldP spid="39" grpId="0" animBg="1"/>
@@ -8330,6 +8790,34 @@
               <a:rPr lang="en-US" dirty="0" smtClean="0"/>
               <a:t>commit</a:t>
             </a:r>
+          </a:p>
+          <a:p>
+            <a:pPr marL="0" indent="0">
+              <a:buNone/>
+            </a:pPr>
+            <a:r>
+              <a:rPr lang="en-US" dirty="0" err="1" smtClean="0"/>
+              <a:t>git</a:t>
+            </a:r>
+            <a:r>
+              <a:rPr lang="en-US" dirty="0" smtClean="0"/>
+              <a:t> clone</a:t>
+            </a:r>
+            <a:br>
+              <a:rPr lang="en-US" dirty="0" smtClean="0"/>
+            </a:br>
+            <a:r>
+              <a:rPr lang="en-US" dirty="0" err="1" smtClean="0"/>
+              <a:t>git</a:t>
+            </a:r>
+            <a:r>
+              <a:rPr lang="en-US" dirty="0" smtClean="0"/>
+              <a:t> </a:t>
+            </a:r>
+            <a:r>
+              <a:rPr lang="en-US" dirty="0" err="1" smtClean="0"/>
+              <a:t>init</a:t>
+            </a:r>
             <a:endParaRPr lang="ru-RU" dirty="0"/>
           </a:p>
         </p:txBody>
@@ -8371,7 +8859,106 @@
   <p:timing>
     <p:tnLst>
       <p:par>
-        <p:cTn id="1" dur="indefinite" restart="never" nodeType="tmRoot"/>
+        <p:cTn id="1" dur="indefinite" restart="never" nodeType="tmRoot">
+          <p:childTnLst>
+            <p:seq concurrent="1" nextAc="seek">
+              <p:cTn id="2" dur="indefinite" nodeType="mainSeq">
+                <p:childTnLst>
+                  <p:par>
+                    <p:cTn id="3" fill="hold">
+                      <p:stCondLst>
+                        <p:cond delay="indefinite"/>
+                      </p:stCondLst>
+                      <p:childTnLst>
+                        <p:par>
+                          <p:cTn id="4" fill="hold">
+                            <p:stCondLst>
+                              <p:cond delay="0"/>
+                            </p:stCondLst>
+                            <p:childTnLst>
+                              <p:par>
+                                <p:cTn id="5" presetID="1" presetClass="entr" presetSubtype="0" fill="hold" nodeType="clickEffect">
+                                  <p:stCondLst>
+                                    <p:cond delay="0"/>
+                                  </p:stCondLst>
+                                  <p:childTnLst>
+                                    <p:set>
+                                      <p:cBhvr>
+                                        <p:cTn id="6" dur="1" fill="hold">
+                                          <p:stCondLst>
+                                            <p:cond delay="0"/>
+                                          </p:stCondLst>
+                                        </p:cTn>
+                                        <p:tgtEl>
+                                          <p:spTgt spid="3">
+                                            <p:txEl>
+                                              <p:pRg st="2" end="2"/>
+                                            </p:txEl>
+                                          </p:spTgt>
+                                        </p:tgtEl>
+                                        <p:attrNameLst>
+                                          <p:attrName>style.visibility</p:attrName>
+                                        </p:attrNameLst>
+                                      </p:cBhvr>
+                                      <p:to>
+                                        <p:strVal val="visible"/>
+                                      </p:to>
+                                    </p:set>
+                                  </p:childTnLst>
+                                </p:cTn>
+                              </p:par>
+                              <p:par>
+                                <p:cTn id="7" presetID="1" presetClass="entr" presetSubtype="0" fill="hold" nodeType="withEffect">
+                                  <p:stCondLst>
+                                    <p:cond delay="0"/>
+                                  </p:stCondLst>
+                                  <p:childTnLst>
+                                    <p:set>
+                                      <p:cBhvr>
+                                        <p:cTn id="8" dur="1" fill="hold">
+                                          <p:stCondLst>
+                                            <p:cond delay="0"/>
+                                          </p:stCondLst>
+                                        </p:cTn>
+                                        <p:tgtEl>
+                                          <p:spTgt spid="4"/>
+                                        </p:tgtEl>
+                                        <p:attrNameLst>
+                                          <p:attrName>style.visibility</p:attrName>
+                                        </p:attrNameLst>
+                                      </p:cBhvr>
+                                      <p:to>
+                                        <p:strVal val="visible"/>
+                                      </p:to>
+                                    </p:set>
+                                  </p:childTnLst>
+                                </p:cTn>
+                              </p:par>
+                            </p:childTnLst>
+                          </p:cTn>
+                        </p:par>
+                      </p:childTnLst>
+                    </p:cTn>
+                  </p:par>
+                </p:childTnLst>
+              </p:cTn>
+              <p:prevCondLst>
+                <p:cond evt="onPrev" delay="0">
+                  <p:tgtEl>
+                    <p:sldTgt/>
+                  </p:tgtEl>
+                </p:cond>
+              </p:prevCondLst>
+              <p:nextCondLst>
+                <p:cond evt="onNext" delay="0">
+                  <p:tgtEl>
+                    <p:sldTgt/>
+                  </p:tgtEl>
+                </p:cond>
+              </p:nextCondLst>
+            </p:seq>
+          </p:childTnLst>
+        </p:cTn>
       </p:par>
     </p:tnLst>
   </p:timing>
@@ -8437,30 +9024,46 @@
               <a:buNone/>
             </a:pPr>
             <a:r>
-              <a:rPr lang="en-US" dirty="0"/>
-              <a:t>a</a:t>
+              <a:rPr lang="en-US" dirty="0" err="1" smtClean="0"/>
+              <a:t>git</a:t>
             </a:r>
             <a:r>
               <a:rPr lang="en-US" dirty="0" smtClean="0"/>
-              <a:t>dd → commit</a:t>
-            </a:r>
-            <a:endParaRPr lang="ru-RU" dirty="0" smtClean="0"/>
+              <a:t> add</a:t>
+            </a:r>
           </a:p>
           <a:p>
             <a:pPr marL="0" indent="0">
               <a:buNone/>
             </a:pPr>
             <a:r>
+              <a:rPr lang="en-US" dirty="0" err="1" smtClean="0"/>
+              <a:t>git</a:t>
+            </a:r>
+            <a:r>
               <a:rPr lang="en-US" dirty="0" smtClean="0"/>
-              <a:t>ignore</a:t>
-            </a:r>
-            <a:endParaRPr lang="ru-RU" dirty="0"/>
+              <a:t> commit</a:t>
+            </a:r>
+          </a:p>
+          <a:p>
+            <a:pPr marL="0" indent="0">
+              <a:buNone/>
+            </a:pPr>
+            <a:r>
+              <a:rPr lang="en-US" dirty="0"/>
+              <a:t>.</a:t>
+            </a:r>
+            <a:r>
+              <a:rPr lang="en-US" dirty="0" err="1"/>
+              <a:t>gitignore</a:t>
+            </a:r>
+            <a:endParaRPr lang="ru-RU" dirty="0" smtClean="0"/>
           </a:p>
         </p:txBody>
       </p:sp>
       <p:pic>
         <p:nvPicPr>
-          <p:cNvPr id="5" name="Рисунок 4"/>
+          <p:cNvPr id="6" name="Объект 3"/>
           <p:cNvPicPr>
             <a:picLocks noChangeAspect="1"/>
           </p:cNvPicPr>
@@ -8474,8 +9077,8 @@
         </p:blipFill>
         <p:spPr>
           <a:xfrm>
-            <a:off x="3370027" y="814388"/>
-            <a:ext cx="5538229" cy="5032375"/>
+            <a:off x="2743200" y="-1"/>
+            <a:ext cx="6400801" cy="6444583"/>
           </a:xfrm>
           <a:prstGeom prst="rect">
             <a:avLst/>
@@ -9969,9 +10572,182 @@
   <p:timing>
     <p:tnLst>
       <p:par>
-        <p:cTn id="1" dur="indefinite" restart="never" nodeType="tmRoot"/>
+        <p:cTn id="1" dur="indefinite" restart="never" nodeType="tmRoot">
+          <p:childTnLst>
+            <p:seq concurrent="1" nextAc="seek">
+              <p:cTn id="2" dur="indefinite" nodeType="mainSeq">
+                <p:childTnLst>
+                  <p:par>
+                    <p:cTn id="3" fill="hold">
+                      <p:stCondLst>
+                        <p:cond delay="indefinite"/>
+                      </p:stCondLst>
+                      <p:childTnLst>
+                        <p:par>
+                          <p:cTn id="4" fill="hold">
+                            <p:stCondLst>
+                              <p:cond delay="0"/>
+                            </p:stCondLst>
+                            <p:childTnLst>
+                              <p:par>
+                                <p:cTn id="5" presetID="1" presetClass="entr" presetSubtype="0" fill="hold" grpId="0" nodeType="clickEffect">
+                                  <p:stCondLst>
+                                    <p:cond delay="0"/>
+                                  </p:stCondLst>
+                                  <p:childTnLst>
+                                    <p:set>
+                                      <p:cBhvr>
+                                        <p:cTn id="6" dur="1" fill="hold">
+                                          <p:stCondLst>
+                                            <p:cond delay="0"/>
+                                          </p:stCondLst>
+                                        </p:cTn>
+                                        <p:tgtEl>
+                                          <p:spTgt spid="3">
+                                            <p:txEl>
+                                              <p:pRg st="0" end="0"/>
+                                            </p:txEl>
+                                          </p:spTgt>
+                                        </p:tgtEl>
+                                        <p:attrNameLst>
+                                          <p:attrName>style.visibility</p:attrName>
+                                        </p:attrNameLst>
+                                      </p:cBhvr>
+                                      <p:to>
+                                        <p:strVal val="visible"/>
+                                      </p:to>
+                                    </p:set>
+                                  </p:childTnLst>
+                                </p:cTn>
+                              </p:par>
+                            </p:childTnLst>
+                          </p:cTn>
+                        </p:par>
+                      </p:childTnLst>
+                    </p:cTn>
+                  </p:par>
+                  <p:par>
+                    <p:cTn id="7" fill="hold">
+                      <p:stCondLst>
+                        <p:cond delay="indefinite"/>
+                      </p:stCondLst>
+                      <p:childTnLst>
+                        <p:par>
+                          <p:cTn id="8" fill="hold">
+                            <p:stCondLst>
+                              <p:cond delay="0"/>
+                            </p:stCondLst>
+                            <p:childTnLst>
+                              <p:par>
+                                <p:cTn id="9" presetID="1" presetClass="entr" presetSubtype="0" fill="hold" grpId="0" nodeType="clickEffect">
+                                  <p:stCondLst>
+                                    <p:cond delay="0"/>
+                                  </p:stCondLst>
+                                  <p:childTnLst>
+                                    <p:set>
+                                      <p:cBhvr>
+                                        <p:cTn id="10" dur="1" fill="hold">
+                                          <p:stCondLst>
+                                            <p:cond delay="0"/>
+                                          </p:stCondLst>
+                                        </p:cTn>
+                                        <p:tgtEl>
+                                          <p:spTgt spid="3">
+                                            <p:txEl>
+                                              <p:pRg st="1" end="1"/>
+                                            </p:txEl>
+                                          </p:spTgt>
+                                        </p:tgtEl>
+                                        <p:attrNameLst>
+                                          <p:attrName>style.visibility</p:attrName>
+                                        </p:attrNameLst>
+                                      </p:cBhvr>
+                                      <p:to>
+                                        <p:strVal val="visible"/>
+                                      </p:to>
+                                    </p:set>
+                                  </p:childTnLst>
+                                </p:cTn>
+                              </p:par>
+                            </p:childTnLst>
+                          </p:cTn>
+                        </p:par>
+                      </p:childTnLst>
+                    </p:cTn>
+                  </p:par>
+                  <p:par>
+                    <p:cTn id="11" fill="hold">
+                      <p:stCondLst>
+                        <p:cond delay="indefinite"/>
+                      </p:stCondLst>
+                      <p:childTnLst>
+                        <p:par>
+                          <p:cTn id="12" fill="hold">
+                            <p:stCondLst>
+                              <p:cond delay="0"/>
+                            </p:stCondLst>
+                            <p:childTnLst>
+                              <p:par>
+                                <p:cTn id="13" presetID="1" presetClass="entr" presetSubtype="0" fill="hold" grpId="0" nodeType="clickEffect">
+                                  <p:stCondLst>
+                                    <p:cond delay="0"/>
+                                  </p:stCondLst>
+                                  <p:childTnLst>
+                                    <p:set>
+                                      <p:cBhvr>
+                                        <p:cTn id="14" dur="1" fill="hold">
+                                          <p:stCondLst>
+                                            <p:cond delay="0"/>
+                                          </p:stCondLst>
+                                        </p:cTn>
+                                        <p:tgtEl>
+                                          <p:spTgt spid="3">
+                                            <p:txEl>
+                                              <p:pRg st="2" end="2"/>
+                                            </p:txEl>
+                                          </p:spTgt>
+                                        </p:tgtEl>
+                                        <p:attrNameLst>
+                                          <p:attrName>style.visibility</p:attrName>
+                                        </p:attrNameLst>
+                                      </p:cBhvr>
+                                      <p:to>
+                                        <p:strVal val="visible"/>
+                                      </p:to>
+                                    </p:set>
+                                  </p:childTnLst>
+                                </p:cTn>
+                              </p:par>
+                            </p:childTnLst>
+                          </p:cTn>
+                        </p:par>
+                      </p:childTnLst>
+                    </p:cTn>
+                  </p:par>
+                </p:childTnLst>
+              </p:cTn>
+              <p:prevCondLst>
+                <p:cond evt="onPrev" delay="0">
+                  <p:tgtEl>
+                    <p:sldTgt/>
+                  </p:tgtEl>
+                </p:cond>
+              </p:prevCondLst>
+              <p:nextCondLst>
+                <p:cond evt="onNext" delay="0">
+                  <p:tgtEl>
+                    <p:sldTgt/>
+                  </p:tgtEl>
+                </p:cond>
+              </p:nextCondLst>
+            </p:seq>
+          </p:childTnLst>
+        </p:cTn>
       </p:par>
     </p:tnLst>
+    <p:bldLst>
+      <p:bldP spid="3" grpId="0" build="p"/>
+    </p:bldLst>
   </p:timing>
 </p:sld>
 </file>
@@ -10509,7 +11285,6 @@
               <a:rPr lang="en-US" sz="3200" dirty="0" smtClean="0"/>
               <a:t>clone</a:t>
             </a:r>
-            <a:endParaRPr lang="en-US" sz="3200" dirty="0" smtClean="0"/>
           </a:p>
         </p:txBody>
       </p:sp>
@@ -12382,4 +13157,265 @@
     </a:ext>
   </a:extLst>
 </a:theme>
+</file>
+
+<file path=ppt/theme/theme2.xml><?xml version="1.0" encoding="utf-8"?>
+<a:theme xmlns:a="http://schemas.openxmlformats.org/drawingml/2006/main" name="Тема Office">
+  <a:themeElements>
+    <a:clrScheme name="Стандартная">
+      <a:dk1>
+        <a:sysClr val="windowText" lastClr="000000"/>
+      </a:dk1>
+      <a:lt1>
+        <a:sysClr val="window" lastClr="FFFFFF"/>
+      </a:lt1>
+      <a:dk2>
+        <a:srgbClr val="44546A"/>
+      </a:dk2>
+      <a:lt2>
+        <a:srgbClr val="E7E6E6"/>
+      </a:lt2>
+      <a:accent1>
+        <a:srgbClr val="5B9BD5"/>
+      </a:accent1>
+      <a:accent2>
+        <a:srgbClr val="ED7D31"/>
+      </a:accent2>
+      <a:accent3>
+        <a:srgbClr val="A5A5A5"/>
+      </a:accent3>
+      <a:accent4>
+        <a:srgbClr val="FFC000"/>
+      </a:accent4>
+      <a:accent5>
+        <a:srgbClr val="4472C4"/>
+      </a:accent5>
+      <a:accent6>
+        <a:srgbClr val="70AD47"/>
+      </a:accent6>
+      <a:hlink>
+        <a:srgbClr val="0563C1"/>
+      </a:hlink>
+      <a:folHlink>
+        <a:srgbClr val="954F72"/>
+      </a:folHlink>
+    </a:clrScheme>
+    <a:fontScheme name="Стандартная">
+      <a:majorFont>
+        <a:latin typeface="Calibri Light" panose="020F0302020204030204"/>
+        <a:ea typeface=""/>
+        <a:cs typeface=""/>
+        <a:font script="Jpan" typeface="ＭＳ Ｐゴシック"/>
+        <a:font script="Hang" typeface="맑은 고딕"/>
+        <a:font script="Hans" typeface="宋体"/>
+        <a:font script="Hant" typeface="新細明體"/>
+        <a:font script="Arab" typeface="Times New Roman"/>
+        <a:font script="Hebr" typeface="Times New Roman"/>
+        <a:font script="Thai" typeface="Angsana New"/>
+        <a:font script="Ethi" typeface="Nyala"/>
+        <a:font script="Beng" typeface="Vrinda"/>
+        <a:font script="Gujr" typeface="Shruti"/>
+        <a:font script="Khmr" typeface="MoolBoran"/>
+        <a:font script="Knda" typeface="Tunga"/>
+        <a:font script="Guru" typeface="Raavi"/>
+        <a:font script="Cans" typeface="Euphemia"/>
+        <a:font script="Cher" typeface="Plantagenet Cherokee"/>
+        <a:font script="Yiii" typeface="Microsoft Yi Baiti"/>
+        <a:font script="Tibt" typeface="Microsoft Himalaya"/>
+        <a:font script="Thaa" typeface="MV Boli"/>
+        <a:font script="Deva" typeface="Mangal"/>
+        <a:font script="Telu" typeface="Gautami"/>
+        <a:font script="Taml" typeface="Latha"/>
+        <a:font script="Syrc" typeface="Estrangelo Edessa"/>
+        <a:font script="Orya" typeface="Kalinga"/>
+        <a:font script="Mlym" typeface="Kartika"/>
+        <a:font script="Laoo" typeface="DokChampa"/>
+        <a:font script="Sinh" typeface="Iskoola Pota"/>
+        <a:font script="Mong" typeface="Mongolian Baiti"/>
+        <a:font script="Viet" typeface="Times New Roman"/>
+        <a:font script="Uigh" typeface="Microsoft Uighur"/>
+        <a:font script="Geor" typeface="Sylfaen"/>
+      </a:majorFont>
+      <a:minorFont>
+        <a:latin typeface="Calibri" panose="020F0502020204030204"/>
+        <a:ea typeface=""/>
+        <a:cs typeface=""/>
+        <a:font script="Jpan" typeface="ＭＳ Ｐゴシック"/>
+        <a:font script="Hang" typeface="맑은 고딕"/>
+        <a:font script="Hans" typeface="宋体"/>
+        <a:font script="Hant" typeface="新細明體"/>
+        <a:font script="Arab" typeface="Arial"/>
+        <a:font script="Hebr" typeface="Arial"/>
+        <a:font script="Thai" typeface="Cordia New"/>
+        <a:font script="Ethi" typeface="Nyala"/>
+        <a:font script="Beng" typeface="Vrinda"/>
+        <a:font script="Gujr" typeface="Shruti"/>
+        <a:font script="Khmr" typeface="DaunPenh"/>
+        <a:font script="Knda" typeface="Tunga"/>
+        <a:font script="Guru" typeface="Raavi"/>
+        <a:font script="Cans" typeface="Euphemia"/>
+        <a:font script="Cher" typeface="Plantagenet Cherokee"/>
+        <a:font script="Yiii" typeface="Microsoft Yi Baiti"/>
+        <a:font script="Tibt" typeface="Microsoft Himalaya"/>
+        <a:font script="Thaa" typeface="MV Boli"/>
+        <a:font script="Deva" typeface="Mangal"/>
+        <a:font script="Telu" typeface="Gautami"/>
+        <a:font script="Taml" typeface="Latha"/>
+        <a:font script="Syrc" typeface="Estrangelo Edessa"/>
+        <a:font script="Orya" typeface="Kalinga"/>
+        <a:font script="Mlym" typeface="Kartika"/>
+        <a:font script="Laoo" typeface="DokChampa"/>
+        <a:font script="Sinh" typeface="Iskoola Pota"/>
+        <a:font script="Mong" typeface="Mongolian Baiti"/>
+        <a:font script="Viet" typeface="Arial"/>
+        <a:font script="Uigh" typeface="Microsoft Uighur"/>
+        <a:font script="Geor" typeface="Sylfaen"/>
+      </a:minorFont>
+    </a:fontScheme>
+    <a:fmtScheme name="Стандартная">
+      <a:fillStyleLst>
+        <a:solidFill>
+          <a:schemeClr val="phClr"/>
+        </a:solidFill>
+        <a:gradFill rotWithShape="1">
+          <a:gsLst>
+            <a:gs pos="0">
+              <a:schemeClr val="phClr">
+                <a:lumMod val="110000"/>
+                <a:satMod val="105000"/>
+                <a:tint val="67000"/>
+              </a:schemeClr>
+            </a:gs>
+            <a:gs pos="50000">
+              <a:schemeClr val="phClr">
+                <a:lumMod val="105000"/>
+                <a:satMod val="103000"/>
+                <a:tint val="73000"/>
+              </a:schemeClr>
+            </a:gs>
+            <a:gs pos="100000">
+              <a:schemeClr val="phClr">
+                <a:lumMod val="105000"/>
+                <a:satMod val="109000"/>
+                <a:tint val="81000"/>
+              </a:schemeClr>
+            </a:gs>
+          </a:gsLst>
+          <a:lin ang="5400000" scaled="0"/>
+        </a:gradFill>
+        <a:gradFill rotWithShape="1">
+          <a:gsLst>
+            <a:gs pos="0">
+              <a:schemeClr val="phClr">
+                <a:satMod val="103000"/>
+                <a:lumMod val="102000"/>
+                <a:tint val="94000"/>
+              </a:schemeClr>
+            </a:gs>
+            <a:gs pos="50000">
+              <a:schemeClr val="phClr">
+                <a:satMod val="110000"/>
+                <a:lumMod val="100000"/>
+                <a:shade val="100000"/>
+              </a:schemeClr>
+            </a:gs>
+            <a:gs pos="100000">
+              <a:schemeClr val="phClr">
+                <a:lumMod val="99000"/>
+                <a:satMod val="120000"/>
+                <a:shade val="78000"/>
+              </a:schemeClr>
+            </a:gs>
+          </a:gsLst>
+          <a:lin ang="5400000" scaled="0"/>
+        </a:gradFill>
+      </a:fillStyleLst>
+      <a:lnStyleLst>
+        <a:ln w="6350" cap="flat" cmpd="sng" algn="ctr">
+          <a:solidFill>
+            <a:schemeClr val="phClr"/>
+          </a:solidFill>
+          <a:prstDash val="solid"/>
+          <a:miter lim="800000"/>
+        </a:ln>
+        <a:ln w="12700" cap="flat" cmpd="sng" algn="ctr">
+          <a:solidFill>
+            <a:schemeClr val="phClr"/>
+          </a:solidFill>
+          <a:prstDash val="solid"/>
+          <a:miter lim="800000"/>
+        </a:ln>
+        <a:ln w="19050" cap="flat" cmpd="sng" algn="ctr">
+          <a:solidFill>
+            <a:schemeClr val="phClr"/>
+          </a:solidFill>
+          <a:prstDash val="solid"/>
+          <a:miter lim="800000"/>
+        </a:ln>
+      </a:lnStyleLst>
+      <a:effectStyleLst>
+        <a:effectStyle>
+          <a:effectLst/>
+        </a:effectStyle>
+        <a:effectStyle>
+          <a:effectLst/>
+        </a:effectStyle>
+        <a:effectStyle>
+          <a:effectLst>
+            <a:outerShdw blurRad="57150" dist="19050" dir="5400000" algn="ctr" rotWithShape="0">
+              <a:srgbClr val="000000">
+                <a:alpha val="63000"/>
+              </a:srgbClr>
+            </a:outerShdw>
+          </a:effectLst>
+        </a:effectStyle>
+      </a:effectStyleLst>
+      <a:bgFillStyleLst>
+        <a:solidFill>
+          <a:schemeClr val="phClr"/>
+        </a:solidFill>
+        <a:solidFill>
+          <a:schemeClr val="phClr">
+            <a:tint val="95000"/>
+            <a:satMod val="170000"/>
+          </a:schemeClr>
+        </a:solidFill>
+        <a:gradFill rotWithShape="1">
+          <a:gsLst>
+            <a:gs pos="0">
+              <a:schemeClr val="phClr">
+                <a:tint val="93000"/>
+                <a:satMod val="150000"/>
+                <a:shade val="98000"/>
+                <a:lumMod val="102000"/>
+              </a:schemeClr>
+            </a:gs>
+            <a:gs pos="50000">
+              <a:schemeClr val="phClr">
+                <a:tint val="98000"/>
+                <a:satMod val="130000"/>
+                <a:shade val="90000"/>
+                <a:lumMod val="103000"/>
+              </a:schemeClr>
+            </a:gs>
+            <a:gs pos="100000">
+              <a:schemeClr val="phClr">
+                <a:shade val="63000"/>
+                <a:satMod val="120000"/>
+              </a:schemeClr>
+            </a:gs>
+          </a:gsLst>
+          <a:lin ang="5400000" scaled="0"/>
+        </a:gradFill>
+      </a:bgFillStyleLst>
+    </a:fmtScheme>
+  </a:themeElements>
+  <a:objectDefaults/>
+  <a:extraClrSchemeLst/>
+  <a:extLst>
+    <a:ext uri="{05A4C25C-085E-4340-85A3-A5531E510DB2}">
+      <thm15:themeFamily xmlns:thm15="http://schemas.microsoft.com/office/thememl/2012/main" name="Office Theme" id="{62F939B6-93AF-4DB8-9C6B-D6C7DFDC589F}" vid="{4A3C46E8-61CC-4603-A589-7422A47A8E4A}"/>
+    </a:ext>
+  </a:extLst>
+</a:theme>
 </file>